--- a/results/rgf_electron_analysis_11841.pptx
+++ b/results/rgf_electron_analysis_11841.pptx
@@ -259,7 +259,7 @@
           <a:p>
             <a:fld id="{E7325198-8183-7044-97E9-AB7594C16801}" type="datetimeFigureOut">
               <a:rPr lang="en-US" smtClean="0"/>
-              <a:t>2/19/20</a:t>
+              <a:t>2/22/20</a:t>
             </a:fld>
             <a:endParaRPr lang="en-US"/>
           </a:p>
@@ -429,7 +429,7 @@
           <a:p>
             <a:fld id="{E7325198-8183-7044-97E9-AB7594C16801}" type="datetimeFigureOut">
               <a:rPr lang="en-US" smtClean="0"/>
-              <a:t>2/19/20</a:t>
+              <a:t>2/22/20</a:t>
             </a:fld>
             <a:endParaRPr lang="en-US"/>
           </a:p>
@@ -609,7 +609,7 @@
           <a:p>
             <a:fld id="{E7325198-8183-7044-97E9-AB7594C16801}" type="datetimeFigureOut">
               <a:rPr lang="en-US" smtClean="0"/>
-              <a:t>2/19/20</a:t>
+              <a:t>2/22/20</a:t>
             </a:fld>
             <a:endParaRPr lang="en-US"/>
           </a:p>
@@ -779,7 +779,7 @@
           <a:p>
             <a:fld id="{E7325198-8183-7044-97E9-AB7594C16801}" type="datetimeFigureOut">
               <a:rPr lang="en-US" smtClean="0"/>
-              <a:t>2/19/20</a:t>
+              <a:t>2/22/20</a:t>
             </a:fld>
             <a:endParaRPr lang="en-US"/>
           </a:p>
@@ -1023,7 +1023,7 @@
           <a:p>
             <a:fld id="{E7325198-8183-7044-97E9-AB7594C16801}" type="datetimeFigureOut">
               <a:rPr lang="en-US" smtClean="0"/>
-              <a:t>2/19/20</a:t>
+              <a:t>2/22/20</a:t>
             </a:fld>
             <a:endParaRPr lang="en-US"/>
           </a:p>
@@ -1255,7 +1255,7 @@
           <a:p>
             <a:fld id="{E7325198-8183-7044-97E9-AB7594C16801}" type="datetimeFigureOut">
               <a:rPr lang="en-US" smtClean="0"/>
-              <a:t>2/19/20</a:t>
+              <a:t>2/22/20</a:t>
             </a:fld>
             <a:endParaRPr lang="en-US"/>
           </a:p>
@@ -1622,7 +1622,7 @@
           <a:p>
             <a:fld id="{E7325198-8183-7044-97E9-AB7594C16801}" type="datetimeFigureOut">
               <a:rPr lang="en-US" smtClean="0"/>
-              <a:t>2/19/20</a:t>
+              <a:t>2/22/20</a:t>
             </a:fld>
             <a:endParaRPr lang="en-US"/>
           </a:p>
@@ -1740,7 +1740,7 @@
           <a:p>
             <a:fld id="{E7325198-8183-7044-97E9-AB7594C16801}" type="datetimeFigureOut">
               <a:rPr lang="en-US" smtClean="0"/>
-              <a:t>2/19/20</a:t>
+              <a:t>2/22/20</a:t>
             </a:fld>
             <a:endParaRPr lang="en-US"/>
           </a:p>
@@ -1835,7 +1835,7 @@
           <a:p>
             <a:fld id="{E7325198-8183-7044-97E9-AB7594C16801}" type="datetimeFigureOut">
               <a:rPr lang="en-US" smtClean="0"/>
-              <a:t>2/19/20</a:t>
+              <a:t>2/22/20</a:t>
             </a:fld>
             <a:endParaRPr lang="en-US"/>
           </a:p>
@@ -2112,7 +2112,7 @@
           <a:p>
             <a:fld id="{E7325198-8183-7044-97E9-AB7594C16801}" type="datetimeFigureOut">
               <a:rPr lang="en-US" smtClean="0"/>
-              <a:t>2/19/20</a:t>
+              <a:t>2/22/20</a:t>
             </a:fld>
             <a:endParaRPr lang="en-US"/>
           </a:p>
@@ -2369,7 +2369,7 @@
           <a:p>
             <a:fld id="{E7325198-8183-7044-97E9-AB7594C16801}" type="datetimeFigureOut">
               <a:rPr lang="en-US" smtClean="0"/>
-              <a:t>2/19/20</a:t>
+              <a:t>2/22/20</a:t>
             </a:fld>
             <a:endParaRPr lang="en-US"/>
           </a:p>
@@ -2582,7 +2582,7 @@
           <a:p>
             <a:fld id="{E7325198-8183-7044-97E9-AB7594C16801}" type="datetimeFigureOut">
               <a:rPr lang="en-US" smtClean="0"/>
-              <a:t>2/19/20</a:t>
+              <a:t>2/22/20</a:t>
             </a:fld>
             <a:endParaRPr lang="en-US"/>
           </a:p>
@@ -3063,7 +3063,7 @@
                 <a:ea typeface="Abadi MT Condensed Light" charset="0"/>
                 <a:cs typeface="Abadi MT Condensed Light" charset="0"/>
               </a:rPr>
-              <a:t>11662</a:t>
+              <a:t>11841</a:t>
             </a:r>
             <a:endParaRPr lang="en-US" sz="4000" b="1" dirty="0">
               <a:latin typeface="Abadi MT Condensed Light" charset="0"/>
@@ -3082,15 +3082,21 @@
           <p:nvPr/>
         </p:nvPicPr>
         <p:blipFill>
-          <a:blip r:embed="rId2"/>
+          <a:blip r:embed="rId2">
+            <a:extLst>
+              <a:ext uri="{28A0092B-C50C-407E-A947-70E740481C1C}">
+                <a14:useLocalDpi xmlns:a14="http://schemas.microsoft.com/office/drawing/2010/main" val="0"/>
+              </a:ext>
+            </a:extLst>
+          </a:blip>
           <a:stretch>
             <a:fillRect/>
           </a:stretch>
         </p:blipFill>
         <p:spPr>
           <a:xfrm>
-            <a:off x="0" y="577343"/>
-            <a:ext cx="9144000" cy="5703313"/>
+            <a:off x="0" y="578441"/>
+            <a:ext cx="9144000" cy="5701117"/>
           </a:xfrm>
           <a:prstGeom prst="rect">
             <a:avLst/>
@@ -3210,7 +3216,7 @@
                 <a:ea typeface="Abadi MT Condensed Light" charset="0"/>
                 <a:cs typeface="Abadi MT Condensed Light" charset="0"/>
               </a:rPr>
-              <a:t>11662</a:t>
+              <a:t>11841</a:t>
             </a:r>
             <a:endParaRPr lang="en-US" sz="4000" b="1" dirty="0">
               <a:latin typeface="Abadi MT Condensed Light" charset="0"/>
@@ -3229,15 +3235,21 @@
           <p:nvPr/>
         </p:nvPicPr>
         <p:blipFill>
-          <a:blip r:embed="rId2"/>
+          <a:blip r:embed="rId2">
+            <a:extLst>
+              <a:ext uri="{28A0092B-C50C-407E-A947-70E740481C1C}">
+                <a14:useLocalDpi xmlns:a14="http://schemas.microsoft.com/office/drawing/2010/main" val="0"/>
+              </a:ext>
+            </a:extLst>
+          </a:blip>
           <a:stretch>
             <a:fillRect/>
           </a:stretch>
         </p:blipFill>
         <p:spPr>
           <a:xfrm>
-            <a:off x="0" y="1249623"/>
-            <a:ext cx="9144000" cy="4358754"/>
+            <a:off x="0" y="1260662"/>
+            <a:ext cx="9144000" cy="4336676"/>
           </a:xfrm>
           <a:prstGeom prst="rect">
             <a:avLst/>
@@ -3357,7 +3369,7 @@
                 <a:ea typeface="Abadi MT Condensed Light" charset="0"/>
                 <a:cs typeface="Abadi MT Condensed Light" charset="0"/>
               </a:rPr>
-              <a:t>11662</a:t>
+              <a:t>11841</a:t>
             </a:r>
             <a:endParaRPr lang="en-US" sz="4000" b="1" dirty="0">
               <a:latin typeface="Abadi MT Condensed Light" charset="0"/>
@@ -3376,15 +3388,21 @@
           <p:nvPr/>
         </p:nvPicPr>
         <p:blipFill>
-          <a:blip r:embed="rId2"/>
+          <a:blip r:embed="rId2">
+            <a:extLst>
+              <a:ext uri="{28A0092B-C50C-407E-A947-70E740481C1C}">
+                <a14:useLocalDpi xmlns:a14="http://schemas.microsoft.com/office/drawing/2010/main" val="0"/>
+              </a:ext>
+            </a:extLst>
+          </a:blip>
           <a:stretch>
             <a:fillRect/>
           </a:stretch>
         </p:blipFill>
         <p:spPr>
           <a:xfrm>
-            <a:off x="0" y="577343"/>
-            <a:ext cx="9144000" cy="5703313"/>
+            <a:off x="0" y="578441"/>
+            <a:ext cx="9144000" cy="5701117"/>
           </a:xfrm>
           <a:prstGeom prst="rect">
             <a:avLst/>
@@ -3504,7 +3522,7 @@
                 <a:ea typeface="Abadi MT Condensed Light" charset="0"/>
                 <a:cs typeface="Abadi MT Condensed Light" charset="0"/>
               </a:rPr>
-              <a:t>11662</a:t>
+              <a:t>11841</a:t>
             </a:r>
             <a:endParaRPr lang="en-US" sz="4000" b="1" dirty="0">
               <a:latin typeface="Abadi MT Condensed Light" charset="0"/>
@@ -3523,15 +3541,21 @@
           <p:nvPr/>
         </p:nvPicPr>
         <p:blipFill>
-          <a:blip r:embed="rId2"/>
+          <a:blip r:embed="rId2">
+            <a:extLst>
+              <a:ext uri="{28A0092B-C50C-407E-A947-70E740481C1C}">
+                <a14:useLocalDpi xmlns:a14="http://schemas.microsoft.com/office/drawing/2010/main" val="0"/>
+              </a:ext>
+            </a:extLst>
+          </a:blip>
           <a:stretch>
             <a:fillRect/>
           </a:stretch>
         </p:blipFill>
         <p:spPr>
           <a:xfrm>
-            <a:off x="0" y="1053813"/>
-            <a:ext cx="9144000" cy="4750374"/>
+            <a:off x="24161" y="1053813"/>
+            <a:ext cx="9095677" cy="4750374"/>
           </a:xfrm>
           <a:prstGeom prst="rect">
             <a:avLst/>
@@ -3651,7 +3675,7 @@
                 <a:ea typeface="Abadi MT Condensed Light" charset="0"/>
                 <a:cs typeface="Abadi MT Condensed Light" charset="0"/>
               </a:rPr>
-              <a:t>11662</a:t>
+              <a:t>11841</a:t>
             </a:r>
             <a:endParaRPr lang="en-US" sz="4000" b="1" dirty="0">
               <a:latin typeface="Abadi MT Condensed Light" charset="0"/>
@@ -3670,15 +3694,21 @@
           <p:nvPr/>
         </p:nvPicPr>
         <p:blipFill>
-          <a:blip r:embed="rId2"/>
+          <a:blip r:embed="rId2">
+            <a:extLst>
+              <a:ext uri="{28A0092B-C50C-407E-A947-70E740481C1C}">
+                <a14:useLocalDpi xmlns:a14="http://schemas.microsoft.com/office/drawing/2010/main" val="0"/>
+              </a:ext>
+            </a:extLst>
+          </a:blip>
           <a:stretch>
             <a:fillRect/>
           </a:stretch>
         </p:blipFill>
         <p:spPr>
           <a:xfrm>
-            <a:off x="0" y="1053813"/>
-            <a:ext cx="9144000" cy="4750374"/>
+            <a:off x="24161" y="1053813"/>
+            <a:ext cx="9095677" cy="4750374"/>
           </a:xfrm>
           <a:prstGeom prst="rect">
             <a:avLst/>
@@ -3798,7 +3828,7 @@
                 <a:ea typeface="Abadi MT Condensed Light" charset="0"/>
                 <a:cs typeface="Abadi MT Condensed Light" charset="0"/>
               </a:rPr>
-              <a:t>11662</a:t>
+              <a:t>11841</a:t>
             </a:r>
             <a:endParaRPr lang="en-US" sz="4000" b="1" dirty="0">
               <a:latin typeface="Abadi MT Condensed Light" charset="0"/>
@@ -3817,15 +3847,21 @@
           <p:nvPr/>
         </p:nvPicPr>
         <p:blipFill>
-          <a:blip r:embed="rId2"/>
+          <a:blip r:embed="rId2">
+            <a:extLst>
+              <a:ext uri="{28A0092B-C50C-407E-A947-70E740481C1C}">
+                <a14:useLocalDpi xmlns:a14="http://schemas.microsoft.com/office/drawing/2010/main" val="0"/>
+              </a:ext>
+            </a:extLst>
+          </a:blip>
           <a:stretch>
             <a:fillRect/>
           </a:stretch>
         </p:blipFill>
         <p:spPr>
           <a:xfrm>
-            <a:off x="0" y="1053813"/>
-            <a:ext cx="9144000" cy="4750374"/>
+            <a:off x="24161" y="1053813"/>
+            <a:ext cx="9095677" cy="4750374"/>
           </a:xfrm>
           <a:prstGeom prst="rect">
             <a:avLst/>
